--- a/MyCalc/202084779 조상우.pptx
+++ b/MyCalc/202084779 조상우.pptx
@@ -2,14 +2,14 @@
 <file path=ppt/presentation.xml><?xml version="1.0" encoding="utf-8"?>
 <p:presentation xmlns:a="http://schemas.openxmlformats.org/drawingml/2006/main" xmlns:r="http://schemas.openxmlformats.org/officeDocument/2006/relationships" xmlns:p="http://schemas.openxmlformats.org/presentationml/2006/main" xmlns:p14="http://schemas.microsoft.com/office/powerpoint/2010/main" saveSubsetFonts="1">
   <p:sldMasterIdLst>
-    <p:sldMasterId id="2147483767" r:id="rId12"/>
+    <p:sldMasterId id="2147483768" r:id="rId12"/>
   </p:sldMasterIdLst>
   <p:sldIdLst>
     <p:sldId id="287" r:id="rId14"/>
     <p:sldId id="320" r:id="rId15"/>
     <p:sldId id="326" r:id="rId16"/>
-    <p:sldId id="325" r:id="rId17"/>
-    <p:sldId id="327" r:id="rId18"/>
+    <p:sldId id="327" r:id="rId17"/>
+    <p:sldId id="325" r:id="rId18"/>
     <p:sldId id="321" r:id="rId19"/>
     <p:sldId id="322" r:id="rId20"/>
     <p:sldId id="328" r:id="rId21"/>
@@ -116,12 +116,12 @@
   <p:extLst>
     <p:ext uri="{EFAFB233-063F-42B5-8137-9DF3F51BA10A}">
       <p15:sldGuideLst xmlns:p15="http://schemas.microsoft.com/office/powerpoint/2012/main">
-        <p15:guide id="1" orient="horz" pos="2154" userDrawn="1">
+        <p15:guide id="1" orient="horz" pos="2153" userDrawn="1">
           <p15:clr>
             <a:srgbClr val="A4A3A4"/>
           </p15:clr>
         </p15:guide>
-        <p15:guide id="2" pos="3833" userDrawn="1">
+        <p15:guide id="2" pos="3832" userDrawn="1">
           <p15:clr>
             <a:srgbClr val="A4A3A4"/>
           </p15:clr>
@@ -3186,10 +3186,10 @@
     <p:bg>
       <p:bgPr>
         <a:blipFill rotWithShape="1">
-          <a:blip r:embed="rId2" cstate="print">
+          <a:blip r:embed="rId2" cstate="hqprint">
             <a:extLst>
               <a:ext uri="{28A0092B-C50C-407E-A947-70E740481C1C}">
-                <a14:useLocalDpi xmlns:a14="http://schemas.microsoft.com/office/drawing/2010/main" val="0"/>
+                <a14:useLocalDpi xmlns:a14="http://schemas.microsoft.com/office/drawing/2010/main"/>
               </a:ext>
             </a:extLst>
           </a:blip>
@@ -3688,9 +3688,9 @@
           <p:nvPr/>
         </p:nvSpPr>
         <p:spPr>
-          <a:xfrm rot="0">
+          <a:xfrm>
             <a:off x="1560195" y="3187700"/>
-            <a:ext cx="1593215" cy="539115"/>
+            <a:ext cx="1593850" cy="537845"/>
           </a:xfrm>
           <a:prstGeom prst="rect"/>
           <a:noFill/>
@@ -3709,7 +3709,7 @@
               <a:buNone/>
             </a:pPr>
             <a:r>
-              <a:rPr lang="ko-KR" altLang="ko-KR" sz="1845">
+              <a:rPr lang="ko-KR" altLang="ko-KR" sz="1840">
                 <a:solidFill>
                   <a:schemeClr val="tx1">
                     <a:lumMod val="65000"/>
@@ -3719,10 +3719,10 @@
                 <a:latin typeface="Arial" charset="0"/>
                 <a:ea typeface="Arial" charset="0"/>
               </a:rPr>
-              <a:t>나의 </a:t>
-            </a:r>
-            <a:r>
-              <a:rPr lang="ko-KR" altLang="ko-KR" sz="1845">
+              <a:t>앱 </a:t>
+            </a:r>
+            <a:r>
+              <a:rPr lang="ko-KR" altLang="ko-KR" sz="1840">
                 <a:solidFill>
                   <a:schemeClr val="tx1">
                     <a:lumMod val="65000"/>
@@ -3732,9 +3732,9 @@
                 <a:latin typeface="Arial" charset="0"/>
                 <a:ea typeface="Arial" charset="0"/>
               </a:rPr>
-              <a:t>계산기</a:t>
-            </a:r>
-            <a:endParaRPr lang="ko-KR" altLang="en-US" sz="1845">
+              <a:t>소개</a:t>
+            </a:r>
+            <a:endParaRPr lang="ko-KR" altLang="en-US" sz="1840">
               <a:solidFill>
                 <a:schemeClr val="tx1">
                   <a:lumMod val="65000"/>
@@ -3776,6 +3776,161 @@
 </file>
 
 <file path=ppt/slides/slide3.xml><?xml version="1.0" encoding="utf-8"?>
+<p:sld xmlns:a="http://schemas.openxmlformats.org/drawingml/2006/main" xmlns:r="http://schemas.openxmlformats.org/officeDocument/2006/relationships" xmlns:p="http://schemas.openxmlformats.org/presentationml/2006/main" xmlns:p14="http://schemas.microsoft.com/office/powerpoint/2010/main">
+  <p:cSld>
+    <p:bg>
+      <p:bgPr>
+        <a:blipFill rotWithShape="1">
+          <a:blip r:embed="rId2" cstate="hqprint">
+            <a:extLst>
+              <a:ext uri="{28A0092B-C50C-407E-A947-70E740481C1C}">
+                <a14:useLocalDpi xmlns:a14="http://schemas.microsoft.com/office/drawing/2010/main"/>
+              </a:ext>
+            </a:extLst>
+          </a:blip>
+          <a:stretch>
+            <a:fillRect/>
+          </a:stretch>
+        </a:blipFill>
+      </p:bgPr>
+    </p:bg>
+    <p:spTree>
+      <p:nvGrpSpPr>
+        <p:cNvPr id="1" name=""/>
+        <p:cNvGrpSpPr/>
+        <p:nvPr/>
+      </p:nvGrpSpPr>
+      <p:grpSpPr>
+        <a:xfrm>
+          <a:off x="0" y="0"/>
+          <a:ext cx="0" cy="0"/>
+          <a:chOff x="0" y="0"/>
+          <a:chExt cx="0" cy="0"/>
+        </a:xfrm>
+      </p:grpSpPr>
+      <p:sp>
+        <p:nvSpPr>
+          <p:cNvPr id="12" name="Rect 0"/>
+          <p:cNvSpPr>
+            <a:spLocks/>
+          </p:cNvSpPr>
+          <p:nvPr/>
+        </p:nvSpPr>
+        <p:spPr>
+          <a:xfrm>
+            <a:off x="3461385" y="1951355"/>
+            <a:ext cx="4929505" cy="1590675"/>
+          </a:xfrm>
+          <a:prstGeom prst="rect"/>
+          <a:noFill/>
+        </p:spPr>
+        <p:txBody>
+          <a:bodyPr wrap="square" lIns="112395" tIns="56515" rIns="112395" bIns="56515" numCol="1" vert="horz" anchor="t">
+            <a:spAutoFit/>
+          </a:bodyPr>
+          <a:lstStyle/>
+          <a:p>
+            <a:pPr marL="0" indent="0" algn="ctr" fontAlgn="auto" defTabSz="1125220" eaLnBrk="0" latinLnBrk="0">
+              <a:lnSpc>
+                <a:spcPct val="100000"/>
+              </a:lnSpc>
+              <a:spcBef>
+                <a:spcPts val="0"/>
+              </a:spcBef>
+              <a:spcAft>
+                <a:spcPts val="0"/>
+              </a:spcAft>
+              <a:buFontTx/>
+              <a:buNone/>
+            </a:pPr>
+            <a:r>
+              <a:rPr lang="ko-KR" altLang="ko-KR" sz="4800" cap="none" spc="-170" b="0" strike="noStrike">
+                <a:solidFill>
+                  <a:schemeClr val="tx1">
+                    <a:lumMod val="75000"/>
+                    <a:lumOff val="25000"/>
+                  </a:schemeClr>
+                </a:solidFill>
+                <a:latin typeface="Arial" charset="0"/>
+                <a:ea typeface="Arial" charset="0"/>
+              </a:rPr>
+              <a:t>1</a:t>
+            </a:r>
+            <a:endParaRPr lang="ko-KR" altLang="en-US" sz="4800" cap="none" b="0" strike="noStrike">
+              <a:solidFill>
+                <a:schemeClr val="tx1">
+                  <a:lumMod val="75000"/>
+                  <a:lumOff val="25000"/>
+                </a:schemeClr>
+              </a:solidFill>
+              <a:latin typeface="Arial" charset="0"/>
+              <a:ea typeface="Arial" charset="0"/>
+            </a:endParaRPr>
+          </a:p>
+          <a:p>
+            <a:pPr marL="0" indent="0" algn="ctr" fontAlgn="auto" defTabSz="1125220" eaLnBrk="0" latinLnBrk="0">
+              <a:lnSpc>
+                <a:spcPct val="100000"/>
+              </a:lnSpc>
+              <a:spcBef>
+                <a:spcPts val="0"/>
+              </a:spcBef>
+              <a:spcAft>
+                <a:spcPts val="0"/>
+              </a:spcAft>
+              <a:buFontTx/>
+              <a:buNone/>
+            </a:pPr>
+            <a:r>
+              <a:rPr lang="ko-KR" altLang="ko-KR" sz="4800" cap="none" spc="-170" b="0" strike="noStrike">
+                <a:solidFill>
+                  <a:schemeClr val="tx1">
+                    <a:lumMod val="75000"/>
+                    <a:lumOff val="25000"/>
+                  </a:schemeClr>
+                </a:solidFill>
+                <a:latin typeface="Arial" charset="0"/>
+                <a:ea typeface="Arial" charset="0"/>
+              </a:rPr>
+              <a:t>앱 소개</a:t>
+            </a:r>
+            <a:endParaRPr lang="ko-KR" altLang="en-US" sz="4800" cap="none" b="0" strike="noStrike">
+              <a:solidFill>
+                <a:schemeClr val="tx1">
+                  <a:lumMod val="75000"/>
+                  <a:lumOff val="25000"/>
+                </a:schemeClr>
+              </a:solidFill>
+              <a:latin typeface="Arial" charset="0"/>
+              <a:ea typeface="Arial" charset="0"/>
+            </a:endParaRPr>
+          </a:p>
+        </p:txBody>
+      </p:sp>
+    </p:spTree>
+  </p:cSld>
+  <p:clrMapOvr>
+    <a:masterClrMapping/>
+  </p:clrMapOvr>
+  <mc:AlternateContent xmlns:mc="http://schemas.openxmlformats.org/markup-compatibility/2006">
+    <mc:Choice xmlns:p14="http://schemas.microsoft.com/office/powerpoint/2010/main" Requires="p14">
+      <p:transition spd="slow" p14:dur="2000"/>
+    </mc:Choice>
+    <mc:Fallback>
+      <p:transition spd="slow"/>
+    </mc:Fallback>
+  </mc:AlternateContent>
+  <p:timing>
+    <p:tnLst>
+      <p:par>
+        <p:cTn id="1" dur="indefinite" restart="never" nodeType="tmRoot"/>
+      </p:par>
+    </p:tnLst>
+  </p:timing>
+</p:sld>
+</file>
+
+<file path=ppt/slides/slide4.xml><?xml version="1.0" encoding="utf-8"?>
 <p:sld xmlns:a="http://schemas.openxmlformats.org/drawingml/2006/main" xmlns:r="http://schemas.openxmlformats.org/officeDocument/2006/relationships" xmlns:p="http://schemas.openxmlformats.org/presentationml/2006/main">
   <p:cSld>
     <p:bg>
@@ -3854,7 +4009,7 @@
                 <a:latin typeface="Arial" charset="0"/>
                 <a:ea typeface="Arial" charset="0"/>
               </a:rPr>
-              <a:t>1</a:t>
+              <a:t>2</a:t>
             </a:r>
             <a:endParaRPr lang="ko-KR" altLang="en-US" sz="4800" cap="none" b="0" strike="noStrike">
               <a:solidFill>
@@ -3892,7 +4047,20 @@
                 <a:latin typeface="Arial" charset="0"/>
                 <a:ea typeface="Arial" charset="0"/>
               </a:rPr>
-              <a:t>나의</a:t>
+              <a:t>S</a:t>
+            </a:r>
+            <a:r>
+              <a:rPr lang="ko-KR" altLang="ko-KR" sz="4800" cap="none" spc="-180" b="0" strike="noStrike">
+                <a:solidFill>
+                  <a:schemeClr val="tx1">
+                    <a:lumMod val="75000"/>
+                    <a:lumOff val="25000"/>
+                  </a:schemeClr>
+                </a:solidFill>
+                <a:latin typeface="Arial" charset="0"/>
+                <a:ea typeface="Arial" charset="0"/>
+              </a:rPr>
+              <a:t>WOT</a:t>
             </a:r>
             <a:endParaRPr lang="ko-KR" altLang="en-US" sz="4800" cap="none" b="0" strike="noStrike">
               <a:solidFill>
@@ -3930,20 +4098,7 @@
                 <a:latin typeface="Arial" charset="0"/>
                 <a:ea typeface="Arial" charset="0"/>
               </a:rPr>
-              <a:t>계</a:t>
-            </a:r>
-            <a:r>
-              <a:rPr lang="ko-KR" altLang="ko-KR" sz="4800" cap="none" spc="-180" b="0" strike="noStrike">
-                <a:solidFill>
-                  <a:schemeClr val="tx1">
-                    <a:lumMod val="75000"/>
-                    <a:lumOff val="25000"/>
-                  </a:schemeClr>
-                </a:solidFill>
-                <a:latin typeface="Arial" charset="0"/>
-                <a:ea typeface="Arial" charset="0"/>
-              </a:rPr>
-              <a:t>산기</a:t>
+              <a:t>분석</a:t>
             </a:r>
             <a:endParaRPr lang="ko-KR" altLang="en-US" sz="4800" cap="none" b="0" strike="noStrike">
               <a:solidFill>
@@ -3981,16 +4136,16 @@
 </p:sld>
 </file>
 
-<file path=ppt/slides/slide4.xml><?xml version="1.0" encoding="utf-8"?>
+<file path=ppt/slides/slide5.xml><?xml version="1.0" encoding="utf-8"?>
 <p:sld xmlns:a="http://schemas.openxmlformats.org/drawingml/2006/main" xmlns:r="http://schemas.openxmlformats.org/officeDocument/2006/relationships" xmlns:p="http://schemas.openxmlformats.org/presentationml/2006/main" xmlns:p14="http://schemas.microsoft.com/office/powerpoint/2010/main">
   <p:cSld>
     <p:bg>
       <p:bgPr>
         <a:blipFill rotWithShape="1">
-          <a:blip r:embed="rId2" cstate="print">
+          <a:blip r:embed="rId2" cstate="hqprint">
             <a:extLst>
               <a:ext uri="{28A0092B-C50C-407E-A947-70E740481C1C}">
-                <a14:useLocalDpi xmlns:a14="http://schemas.microsoft.com/office/drawing/2010/main" val="0"/>
+                <a14:useLocalDpi xmlns:a14="http://schemas.microsoft.com/office/drawing/2010/main"/>
               </a:ext>
             </a:extLst>
           </a:blip>
@@ -4380,7 +4535,7 @@
         <p:spPr>
           <a:xfrm>
             <a:off x="899795" y="501650"/>
-            <a:ext cx="1694180" cy="302895"/>
+            <a:ext cx="1694815" cy="302895"/>
           </a:xfrm>
           <a:prstGeom prst="rect">
             <a:avLst/>
@@ -4417,7 +4572,7 @@
                 <a:latin typeface="Arial" charset="0"/>
                 <a:ea typeface="Arial" charset="0"/>
               </a:rPr>
-              <a:t>나의 </a:t>
+              <a:t>앱 </a:t>
             </a:r>
             <a:r>
               <a:rPr lang="ko-KR" altLang="ko-KR" sz="1230" cap="none" b="0" strike="noStrike">
@@ -4430,7 +4585,7 @@
                 <a:latin typeface="Arial" charset="0"/>
                 <a:ea typeface="Arial" charset="0"/>
               </a:rPr>
-              <a:t>계산기</a:t>
+              <a:t>소개</a:t>
             </a:r>
             <a:endParaRPr lang="ko-KR" altLang="en-US" sz="1230" cap="none" b="0" strike="noStrike">
               <a:solidFill>
@@ -4447,7 +4602,7 @@
       </p:sp>
       <p:pic>
         <p:nvPicPr>
-          <p:cNvPr id="22" name="그림 6" descr="C:/Users/whtk/AppData/Roaming/PolarisOffice/ETemp/2352_12909480/fImage704557141.png"/>
+          <p:cNvPr id="22" name="그림 6"/>
           <p:cNvPicPr>
             <a:picLocks noChangeAspect="1"/>
           </p:cNvPicPr>
@@ -4476,7 +4631,7 @@
       </p:pic>
       <p:pic>
         <p:nvPicPr>
-          <p:cNvPr id="23" name="bandicam 2024-05-25 15-07-43-336" descr="C:/Users/whtk/AppData/Roaming/PolarisOffice/ETemp/2352_12909480/fImage72907728467.png">
+          <p:cNvPr id="23" name="bandicam 2024-05-25 15-07-43-336">
             <a:hlinkClick r:id="" action="ppaction://media"/>
           </p:cNvPr>
           <p:cNvPicPr>
@@ -4544,212 +4699,6 @@
             </p:video>
           </p:childTnLst>
         </p:cTn>
-      </p:par>
-    </p:tnLst>
-  </p:timing>
-</p:sld>
-</file>
-
-<file path=ppt/slides/slide5.xml><?xml version="1.0" encoding="utf-8"?>
-<p:sld xmlns:a="http://schemas.openxmlformats.org/drawingml/2006/main" xmlns:r="http://schemas.openxmlformats.org/officeDocument/2006/relationships" xmlns:p="http://schemas.openxmlformats.org/presentationml/2006/main">
-  <p:cSld>
-    <p:bg>
-      <p:bgPr>
-        <a:blipFill rotWithShape="1">
-          <a:blip r:embed="rId2" cstate="print">
-            <a:extLst>
-              <a:ext uri="{28A0092B-C50C-407E-A947-70E740481C1C}">
-                <a14:useLocalDpi xmlns:a14="http://schemas.microsoft.com/office/drawing/2010/main" val="0"/>
-              </a:ext>
-            </a:extLst>
-          </a:blip>
-          <a:stretch>
-            <a:fillRect/>
-          </a:stretch>
-        </a:blipFill>
-      </p:bgPr>
-    </p:bg>
-    <p:spTree>
-      <p:nvGrpSpPr>
-        <p:cNvPr id="1" name=""/>
-        <p:cNvGrpSpPr/>
-        <p:nvPr/>
-      </p:nvGrpSpPr>
-      <p:grpSpPr>
-        <a:xfrm>
-          <a:off x="0" y="0"/>
-          <a:ext cx="0" cy="0"/>
-          <a:chOff x="0" y="0"/>
-          <a:chExt cx="0" cy="0"/>
-        </a:xfrm>
-      </p:grpSpPr>
-      <p:sp>
-        <p:nvSpPr>
-          <p:cNvPr id="12" name="Rect 0"/>
-          <p:cNvSpPr>
-            <a:spLocks/>
-          </p:cNvSpPr>
-          <p:nvPr/>
-        </p:nvSpPr>
-        <p:spPr>
-          <a:xfrm rot="0">
-            <a:off x="3461385" y="1951355"/>
-            <a:ext cx="4928870" cy="2329180"/>
-          </a:xfrm>
-          <a:prstGeom prst="rect"/>
-          <a:noFill/>
-        </p:spPr>
-        <p:txBody>
-          <a:bodyPr wrap="square" lIns="112395" tIns="56515" rIns="112395" bIns="56515" numCol="1" vert="horz" anchor="t">
-            <a:spAutoFit/>
-          </a:bodyPr>
-          <a:lstStyle/>
-          <a:p>
-            <a:pPr marL="0" indent="0" algn="ctr" fontAlgn="auto" defTabSz="1125220" eaLnBrk="0" latinLnBrk="0">
-              <a:lnSpc>
-                <a:spcPct val="100000"/>
-              </a:lnSpc>
-              <a:spcBef>
-                <a:spcPts val="0"/>
-              </a:spcBef>
-              <a:spcAft>
-                <a:spcPts val="0"/>
-              </a:spcAft>
-              <a:buFontTx/>
-              <a:buNone/>
-            </a:pPr>
-            <a:r>
-              <a:rPr lang="ko-KR" altLang="ko-KR" sz="4800" cap="none" spc="-180" b="0" strike="noStrike">
-                <a:solidFill>
-                  <a:schemeClr val="tx1">
-                    <a:lumMod val="75000"/>
-                    <a:lumOff val="25000"/>
-                  </a:schemeClr>
-                </a:solidFill>
-                <a:latin typeface="Arial" charset="0"/>
-                <a:ea typeface="Arial" charset="0"/>
-              </a:rPr>
-              <a:t>2</a:t>
-            </a:r>
-            <a:endParaRPr lang="ko-KR" altLang="en-US" sz="4800" cap="none" b="0" strike="noStrike">
-              <a:solidFill>
-                <a:schemeClr val="tx1">
-                  <a:lumMod val="75000"/>
-                  <a:lumOff val="25000"/>
-                </a:schemeClr>
-              </a:solidFill>
-              <a:latin typeface="Arial" charset="0"/>
-              <a:ea typeface="Arial" charset="0"/>
-            </a:endParaRPr>
-          </a:p>
-          <a:p>
-            <a:pPr marL="0" indent="0" algn="ctr" fontAlgn="auto" defTabSz="1125220" eaLnBrk="0" latinLnBrk="0">
-              <a:lnSpc>
-                <a:spcPct val="100000"/>
-              </a:lnSpc>
-              <a:spcBef>
-                <a:spcPts val="0"/>
-              </a:spcBef>
-              <a:spcAft>
-                <a:spcPts val="0"/>
-              </a:spcAft>
-              <a:buFontTx/>
-              <a:buNone/>
-            </a:pPr>
-            <a:r>
-              <a:rPr lang="ko-KR" altLang="ko-KR" sz="4800" cap="none" spc="-180" b="0" strike="noStrike">
-                <a:solidFill>
-                  <a:schemeClr val="tx1">
-                    <a:lumMod val="75000"/>
-                    <a:lumOff val="25000"/>
-                  </a:schemeClr>
-                </a:solidFill>
-                <a:latin typeface="Arial" charset="0"/>
-                <a:ea typeface="Arial" charset="0"/>
-              </a:rPr>
-              <a:t>S</a:t>
-            </a:r>
-            <a:r>
-              <a:rPr lang="ko-KR" altLang="ko-KR" sz="4800" cap="none" spc="-180" b="0" strike="noStrike">
-                <a:solidFill>
-                  <a:schemeClr val="tx1">
-                    <a:lumMod val="75000"/>
-                    <a:lumOff val="25000"/>
-                  </a:schemeClr>
-                </a:solidFill>
-                <a:latin typeface="Arial" charset="0"/>
-                <a:ea typeface="Arial" charset="0"/>
-              </a:rPr>
-              <a:t>WOT</a:t>
-            </a:r>
-            <a:endParaRPr lang="ko-KR" altLang="en-US" sz="4800" cap="none" b="0" strike="noStrike">
-              <a:solidFill>
-                <a:schemeClr val="tx1">
-                  <a:lumMod val="75000"/>
-                  <a:lumOff val="25000"/>
-                </a:schemeClr>
-              </a:solidFill>
-              <a:latin typeface="Arial" charset="0"/>
-              <a:ea typeface="Arial" charset="0"/>
-            </a:endParaRPr>
-          </a:p>
-          <a:p>
-            <a:pPr marL="0" indent="0" algn="ctr" fontAlgn="auto" defTabSz="1125220" eaLnBrk="0" latinLnBrk="0">
-              <a:lnSpc>
-                <a:spcPct val="100000"/>
-              </a:lnSpc>
-              <a:spcBef>
-                <a:spcPts val="0"/>
-              </a:spcBef>
-              <a:spcAft>
-                <a:spcPts val="0"/>
-              </a:spcAft>
-              <a:buFontTx/>
-              <a:buNone/>
-            </a:pPr>
-            <a:r>
-              <a:rPr lang="ko-KR" altLang="ko-KR" sz="4800" cap="none" spc="-180" b="0" strike="noStrike">
-                <a:solidFill>
-                  <a:schemeClr val="tx1">
-                    <a:lumMod val="75000"/>
-                    <a:lumOff val="25000"/>
-                  </a:schemeClr>
-                </a:solidFill>
-                <a:latin typeface="Arial" charset="0"/>
-                <a:ea typeface="Arial" charset="0"/>
-              </a:rPr>
-              <a:t>분석</a:t>
-            </a:r>
-            <a:endParaRPr lang="ko-KR" altLang="en-US" sz="4800" cap="none" b="0" strike="noStrike">
-              <a:solidFill>
-                <a:schemeClr val="tx1">
-                  <a:lumMod val="75000"/>
-                  <a:lumOff val="25000"/>
-                </a:schemeClr>
-              </a:solidFill>
-              <a:latin typeface="Arial" charset="0"/>
-              <a:ea typeface="Arial" charset="0"/>
-            </a:endParaRPr>
-          </a:p>
-        </p:txBody>
-      </p:sp>
-    </p:spTree>
-  </p:cSld>
-  <p:clrMapOvr>
-    <a:masterClrMapping/>
-  </p:clrMapOvr>
-  <mc:AlternateContent xmlns:mc="http://schemas.openxmlformats.org/markup-compatibility/2006">
-    <mc:Choice xmlns:p14="http://schemas.microsoft.com/office/powerpoint/2010/main" Requires="p14">
-      <p:transition spd="slow" p14:dur="2000"/>
-    </mc:Choice>
-    <mc:Fallback>
-      <p:transition spd="slow"/>
-    </mc:Fallback>
-  </mc:AlternateContent>
-  <p:timing>
-    <p:tnLst>
-      <p:par>
-        <p:cTn id="1" dur="indefinite" restart="never" nodeType="tmRoot"/>
       </p:par>
     </p:tnLst>
   </p:timing>

--- a/MyCalc/202084779 조상우.pptx
+++ b/MyCalc/202084779 조상우.pptx
@@ -2,14 +2,14 @@
 <file path=ppt/presentation.xml><?xml version="1.0" encoding="utf-8"?>
 <p:presentation xmlns:a="http://schemas.openxmlformats.org/drawingml/2006/main" xmlns:r="http://schemas.openxmlformats.org/officeDocument/2006/relationships" xmlns:p="http://schemas.openxmlformats.org/presentationml/2006/main" xmlns:p14="http://schemas.microsoft.com/office/powerpoint/2010/main" saveSubsetFonts="1">
   <p:sldMasterIdLst>
-    <p:sldMasterId id="2147483768" r:id="rId12"/>
+    <p:sldMasterId id="2147483769" r:id="rId12"/>
   </p:sldMasterIdLst>
   <p:sldIdLst>
     <p:sldId id="287" r:id="rId14"/>
     <p:sldId id="320" r:id="rId15"/>
     <p:sldId id="326" r:id="rId16"/>
-    <p:sldId id="327" r:id="rId17"/>
-    <p:sldId id="325" r:id="rId18"/>
+    <p:sldId id="325" r:id="rId17"/>
+    <p:sldId id="327" r:id="rId18"/>
     <p:sldId id="321" r:id="rId19"/>
     <p:sldId id="322" r:id="rId20"/>
     <p:sldId id="328" r:id="rId21"/>
@@ -116,12 +116,12 @@
   <p:extLst>
     <p:ext uri="{EFAFB233-063F-42B5-8137-9DF3F51BA10A}">
       <p15:sldGuideLst xmlns:p15="http://schemas.microsoft.com/office/powerpoint/2012/main">
-        <p15:guide id="1" orient="horz" pos="2153" userDrawn="1">
+        <p15:guide id="1" orient="horz" pos="2152" userDrawn="1">
           <p15:clr>
             <a:srgbClr val="A4A3A4"/>
           </p15:clr>
         </p15:guide>
-        <p15:guide id="2" pos="3832" userDrawn="1">
+        <p15:guide id="2" pos="3831" userDrawn="1">
           <p15:clr>
             <a:srgbClr val="A4A3A4"/>
           </p15:clr>
@@ -3931,212 +3931,6 @@
 </file>
 
 <file path=ppt/slides/slide4.xml><?xml version="1.0" encoding="utf-8"?>
-<p:sld xmlns:a="http://schemas.openxmlformats.org/drawingml/2006/main" xmlns:r="http://schemas.openxmlformats.org/officeDocument/2006/relationships" xmlns:p="http://schemas.openxmlformats.org/presentationml/2006/main">
-  <p:cSld>
-    <p:bg>
-      <p:bgPr>
-        <a:blipFill rotWithShape="1">
-          <a:blip r:embed="rId2" cstate="print">
-            <a:extLst>
-              <a:ext uri="{28A0092B-C50C-407E-A947-70E740481C1C}">
-                <a14:useLocalDpi xmlns:a14="http://schemas.microsoft.com/office/drawing/2010/main" val="0"/>
-              </a:ext>
-            </a:extLst>
-          </a:blip>
-          <a:stretch>
-            <a:fillRect/>
-          </a:stretch>
-        </a:blipFill>
-      </p:bgPr>
-    </p:bg>
-    <p:spTree>
-      <p:nvGrpSpPr>
-        <p:cNvPr id="1" name=""/>
-        <p:cNvGrpSpPr/>
-        <p:nvPr/>
-      </p:nvGrpSpPr>
-      <p:grpSpPr>
-        <a:xfrm>
-          <a:off x="0" y="0"/>
-          <a:ext cx="0" cy="0"/>
-          <a:chOff x="0" y="0"/>
-          <a:chExt cx="0" cy="0"/>
-        </a:xfrm>
-      </p:grpSpPr>
-      <p:sp>
-        <p:nvSpPr>
-          <p:cNvPr id="12" name="Rect 0"/>
-          <p:cNvSpPr>
-            <a:spLocks/>
-          </p:cNvSpPr>
-          <p:nvPr/>
-        </p:nvSpPr>
-        <p:spPr>
-          <a:xfrm rot="0">
-            <a:off x="3461385" y="1951355"/>
-            <a:ext cx="4928870" cy="2329180"/>
-          </a:xfrm>
-          <a:prstGeom prst="rect"/>
-          <a:noFill/>
-        </p:spPr>
-        <p:txBody>
-          <a:bodyPr wrap="square" lIns="112395" tIns="56515" rIns="112395" bIns="56515" numCol="1" vert="horz" anchor="t">
-            <a:spAutoFit/>
-          </a:bodyPr>
-          <a:lstStyle/>
-          <a:p>
-            <a:pPr marL="0" indent="0" algn="ctr" fontAlgn="auto" defTabSz="1125220" eaLnBrk="0" latinLnBrk="0">
-              <a:lnSpc>
-                <a:spcPct val="100000"/>
-              </a:lnSpc>
-              <a:spcBef>
-                <a:spcPts val="0"/>
-              </a:spcBef>
-              <a:spcAft>
-                <a:spcPts val="0"/>
-              </a:spcAft>
-              <a:buFontTx/>
-              <a:buNone/>
-            </a:pPr>
-            <a:r>
-              <a:rPr lang="ko-KR" altLang="ko-KR" sz="4800" cap="none" spc="-180" b="0" strike="noStrike">
-                <a:solidFill>
-                  <a:schemeClr val="tx1">
-                    <a:lumMod val="75000"/>
-                    <a:lumOff val="25000"/>
-                  </a:schemeClr>
-                </a:solidFill>
-                <a:latin typeface="Arial" charset="0"/>
-                <a:ea typeface="Arial" charset="0"/>
-              </a:rPr>
-              <a:t>2</a:t>
-            </a:r>
-            <a:endParaRPr lang="ko-KR" altLang="en-US" sz="4800" cap="none" b="0" strike="noStrike">
-              <a:solidFill>
-                <a:schemeClr val="tx1">
-                  <a:lumMod val="75000"/>
-                  <a:lumOff val="25000"/>
-                </a:schemeClr>
-              </a:solidFill>
-              <a:latin typeface="Arial" charset="0"/>
-              <a:ea typeface="Arial" charset="0"/>
-            </a:endParaRPr>
-          </a:p>
-          <a:p>
-            <a:pPr marL="0" indent="0" algn="ctr" fontAlgn="auto" defTabSz="1125220" eaLnBrk="0" latinLnBrk="0">
-              <a:lnSpc>
-                <a:spcPct val="100000"/>
-              </a:lnSpc>
-              <a:spcBef>
-                <a:spcPts val="0"/>
-              </a:spcBef>
-              <a:spcAft>
-                <a:spcPts val="0"/>
-              </a:spcAft>
-              <a:buFontTx/>
-              <a:buNone/>
-            </a:pPr>
-            <a:r>
-              <a:rPr lang="ko-KR" altLang="ko-KR" sz="4800" cap="none" spc="-180" b="0" strike="noStrike">
-                <a:solidFill>
-                  <a:schemeClr val="tx1">
-                    <a:lumMod val="75000"/>
-                    <a:lumOff val="25000"/>
-                  </a:schemeClr>
-                </a:solidFill>
-                <a:latin typeface="Arial" charset="0"/>
-                <a:ea typeface="Arial" charset="0"/>
-              </a:rPr>
-              <a:t>S</a:t>
-            </a:r>
-            <a:r>
-              <a:rPr lang="ko-KR" altLang="ko-KR" sz="4800" cap="none" spc="-180" b="0" strike="noStrike">
-                <a:solidFill>
-                  <a:schemeClr val="tx1">
-                    <a:lumMod val="75000"/>
-                    <a:lumOff val="25000"/>
-                  </a:schemeClr>
-                </a:solidFill>
-                <a:latin typeface="Arial" charset="0"/>
-                <a:ea typeface="Arial" charset="0"/>
-              </a:rPr>
-              <a:t>WOT</a:t>
-            </a:r>
-            <a:endParaRPr lang="ko-KR" altLang="en-US" sz="4800" cap="none" b="0" strike="noStrike">
-              <a:solidFill>
-                <a:schemeClr val="tx1">
-                  <a:lumMod val="75000"/>
-                  <a:lumOff val="25000"/>
-                </a:schemeClr>
-              </a:solidFill>
-              <a:latin typeface="Arial" charset="0"/>
-              <a:ea typeface="Arial" charset="0"/>
-            </a:endParaRPr>
-          </a:p>
-          <a:p>
-            <a:pPr marL="0" indent="0" algn="ctr" fontAlgn="auto" defTabSz="1125220" eaLnBrk="0" latinLnBrk="0">
-              <a:lnSpc>
-                <a:spcPct val="100000"/>
-              </a:lnSpc>
-              <a:spcBef>
-                <a:spcPts val="0"/>
-              </a:spcBef>
-              <a:spcAft>
-                <a:spcPts val="0"/>
-              </a:spcAft>
-              <a:buFontTx/>
-              <a:buNone/>
-            </a:pPr>
-            <a:r>
-              <a:rPr lang="ko-KR" altLang="ko-KR" sz="4800" cap="none" spc="-180" b="0" strike="noStrike">
-                <a:solidFill>
-                  <a:schemeClr val="tx1">
-                    <a:lumMod val="75000"/>
-                    <a:lumOff val="25000"/>
-                  </a:schemeClr>
-                </a:solidFill>
-                <a:latin typeface="Arial" charset="0"/>
-                <a:ea typeface="Arial" charset="0"/>
-              </a:rPr>
-              <a:t>분석</a:t>
-            </a:r>
-            <a:endParaRPr lang="ko-KR" altLang="en-US" sz="4800" cap="none" b="0" strike="noStrike">
-              <a:solidFill>
-                <a:schemeClr val="tx1">
-                  <a:lumMod val="75000"/>
-                  <a:lumOff val="25000"/>
-                </a:schemeClr>
-              </a:solidFill>
-              <a:latin typeface="Arial" charset="0"/>
-              <a:ea typeface="Arial" charset="0"/>
-            </a:endParaRPr>
-          </a:p>
-        </p:txBody>
-      </p:sp>
-    </p:spTree>
-  </p:cSld>
-  <p:clrMapOvr>
-    <a:masterClrMapping/>
-  </p:clrMapOvr>
-  <mc:AlternateContent xmlns:mc="http://schemas.openxmlformats.org/markup-compatibility/2006">
-    <mc:Choice xmlns:p14="http://schemas.microsoft.com/office/powerpoint/2010/main" Requires="p14">
-      <p:transition spd="slow" p14:dur="2000"/>
-    </mc:Choice>
-    <mc:Fallback>
-      <p:transition spd="slow"/>
-    </mc:Fallback>
-  </mc:AlternateContent>
-  <p:timing>
-    <p:tnLst>
-      <p:par>
-        <p:cTn id="1" dur="indefinite" restart="never" nodeType="tmRoot"/>
-      </p:par>
-    </p:tnLst>
-  </p:timing>
-</p:sld>
-</file>
-
-<file path=ppt/slides/slide5.xml><?xml version="1.0" encoding="utf-8"?>
 <p:sld xmlns:a="http://schemas.openxmlformats.org/drawingml/2006/main" xmlns:r="http://schemas.openxmlformats.org/officeDocument/2006/relationships" xmlns:p="http://schemas.openxmlformats.org/presentationml/2006/main" xmlns:p14="http://schemas.microsoft.com/office/powerpoint/2010/main">
   <p:cSld>
     <p:bg>
@@ -4699,6 +4493,212 @@
             </p:video>
           </p:childTnLst>
         </p:cTn>
+      </p:par>
+    </p:tnLst>
+  </p:timing>
+</p:sld>
+</file>
+
+<file path=ppt/slides/slide5.xml><?xml version="1.0" encoding="utf-8"?>
+<p:sld xmlns:a="http://schemas.openxmlformats.org/drawingml/2006/main" xmlns:r="http://schemas.openxmlformats.org/officeDocument/2006/relationships" xmlns:p="http://schemas.openxmlformats.org/presentationml/2006/main">
+  <p:cSld>
+    <p:bg>
+      <p:bgPr>
+        <a:blipFill rotWithShape="1">
+          <a:blip r:embed="rId2" cstate="print">
+            <a:extLst>
+              <a:ext uri="{28A0092B-C50C-407E-A947-70E740481C1C}">
+                <a14:useLocalDpi xmlns:a14="http://schemas.microsoft.com/office/drawing/2010/main" val="0"/>
+              </a:ext>
+            </a:extLst>
+          </a:blip>
+          <a:stretch>
+            <a:fillRect/>
+          </a:stretch>
+        </a:blipFill>
+      </p:bgPr>
+    </p:bg>
+    <p:spTree>
+      <p:nvGrpSpPr>
+        <p:cNvPr id="1" name=""/>
+        <p:cNvGrpSpPr/>
+        <p:nvPr/>
+      </p:nvGrpSpPr>
+      <p:grpSpPr>
+        <a:xfrm>
+          <a:off x="0" y="0"/>
+          <a:ext cx="0" cy="0"/>
+          <a:chOff x="0" y="0"/>
+          <a:chExt cx="0" cy="0"/>
+        </a:xfrm>
+      </p:grpSpPr>
+      <p:sp>
+        <p:nvSpPr>
+          <p:cNvPr id="12" name="Rect 0"/>
+          <p:cNvSpPr>
+            <a:spLocks/>
+          </p:cNvSpPr>
+          <p:nvPr/>
+        </p:nvSpPr>
+        <p:spPr>
+          <a:xfrm rot="0">
+            <a:off x="3461385" y="1951355"/>
+            <a:ext cx="4928870" cy="2329180"/>
+          </a:xfrm>
+          <a:prstGeom prst="rect"/>
+          <a:noFill/>
+        </p:spPr>
+        <p:txBody>
+          <a:bodyPr wrap="square" lIns="112395" tIns="56515" rIns="112395" bIns="56515" numCol="1" vert="horz" anchor="t">
+            <a:spAutoFit/>
+          </a:bodyPr>
+          <a:lstStyle/>
+          <a:p>
+            <a:pPr marL="0" indent="0" algn="ctr" fontAlgn="auto" defTabSz="1125220" eaLnBrk="0" latinLnBrk="0">
+              <a:lnSpc>
+                <a:spcPct val="100000"/>
+              </a:lnSpc>
+              <a:spcBef>
+                <a:spcPts val="0"/>
+              </a:spcBef>
+              <a:spcAft>
+                <a:spcPts val="0"/>
+              </a:spcAft>
+              <a:buFontTx/>
+              <a:buNone/>
+            </a:pPr>
+            <a:r>
+              <a:rPr lang="ko-KR" altLang="ko-KR" sz="4800" cap="none" spc="-180" b="0" strike="noStrike">
+                <a:solidFill>
+                  <a:schemeClr val="tx1">
+                    <a:lumMod val="75000"/>
+                    <a:lumOff val="25000"/>
+                  </a:schemeClr>
+                </a:solidFill>
+                <a:latin typeface="Arial" charset="0"/>
+                <a:ea typeface="Arial" charset="0"/>
+              </a:rPr>
+              <a:t>2</a:t>
+            </a:r>
+            <a:endParaRPr lang="ko-KR" altLang="en-US" sz="4800" cap="none" b="0" strike="noStrike">
+              <a:solidFill>
+                <a:schemeClr val="tx1">
+                  <a:lumMod val="75000"/>
+                  <a:lumOff val="25000"/>
+                </a:schemeClr>
+              </a:solidFill>
+              <a:latin typeface="Arial" charset="0"/>
+              <a:ea typeface="Arial" charset="0"/>
+            </a:endParaRPr>
+          </a:p>
+          <a:p>
+            <a:pPr marL="0" indent="0" algn="ctr" fontAlgn="auto" defTabSz="1125220" eaLnBrk="0" latinLnBrk="0">
+              <a:lnSpc>
+                <a:spcPct val="100000"/>
+              </a:lnSpc>
+              <a:spcBef>
+                <a:spcPts val="0"/>
+              </a:spcBef>
+              <a:spcAft>
+                <a:spcPts val="0"/>
+              </a:spcAft>
+              <a:buFontTx/>
+              <a:buNone/>
+            </a:pPr>
+            <a:r>
+              <a:rPr lang="ko-KR" altLang="ko-KR" sz="4800" cap="none" spc="-180" b="0" strike="noStrike">
+                <a:solidFill>
+                  <a:schemeClr val="tx1">
+                    <a:lumMod val="75000"/>
+                    <a:lumOff val="25000"/>
+                  </a:schemeClr>
+                </a:solidFill>
+                <a:latin typeface="Arial" charset="0"/>
+                <a:ea typeface="Arial" charset="0"/>
+              </a:rPr>
+              <a:t>S</a:t>
+            </a:r>
+            <a:r>
+              <a:rPr lang="ko-KR" altLang="ko-KR" sz="4800" cap="none" spc="-180" b="0" strike="noStrike">
+                <a:solidFill>
+                  <a:schemeClr val="tx1">
+                    <a:lumMod val="75000"/>
+                    <a:lumOff val="25000"/>
+                  </a:schemeClr>
+                </a:solidFill>
+                <a:latin typeface="Arial" charset="0"/>
+                <a:ea typeface="Arial" charset="0"/>
+              </a:rPr>
+              <a:t>WOT</a:t>
+            </a:r>
+            <a:endParaRPr lang="ko-KR" altLang="en-US" sz="4800" cap="none" b="0" strike="noStrike">
+              <a:solidFill>
+                <a:schemeClr val="tx1">
+                  <a:lumMod val="75000"/>
+                  <a:lumOff val="25000"/>
+                </a:schemeClr>
+              </a:solidFill>
+              <a:latin typeface="Arial" charset="0"/>
+              <a:ea typeface="Arial" charset="0"/>
+            </a:endParaRPr>
+          </a:p>
+          <a:p>
+            <a:pPr marL="0" indent="0" algn="ctr" fontAlgn="auto" defTabSz="1125220" eaLnBrk="0" latinLnBrk="0">
+              <a:lnSpc>
+                <a:spcPct val="100000"/>
+              </a:lnSpc>
+              <a:spcBef>
+                <a:spcPts val="0"/>
+              </a:spcBef>
+              <a:spcAft>
+                <a:spcPts val="0"/>
+              </a:spcAft>
+              <a:buFontTx/>
+              <a:buNone/>
+            </a:pPr>
+            <a:r>
+              <a:rPr lang="ko-KR" altLang="ko-KR" sz="4800" cap="none" spc="-180" b="0" strike="noStrike">
+                <a:solidFill>
+                  <a:schemeClr val="tx1">
+                    <a:lumMod val="75000"/>
+                    <a:lumOff val="25000"/>
+                  </a:schemeClr>
+                </a:solidFill>
+                <a:latin typeface="Arial" charset="0"/>
+                <a:ea typeface="Arial" charset="0"/>
+              </a:rPr>
+              <a:t>분석</a:t>
+            </a:r>
+            <a:endParaRPr lang="ko-KR" altLang="en-US" sz="4800" cap="none" b="0" strike="noStrike">
+              <a:solidFill>
+                <a:schemeClr val="tx1">
+                  <a:lumMod val="75000"/>
+                  <a:lumOff val="25000"/>
+                </a:schemeClr>
+              </a:solidFill>
+              <a:latin typeface="Arial" charset="0"/>
+              <a:ea typeface="Arial" charset="0"/>
+            </a:endParaRPr>
+          </a:p>
+        </p:txBody>
+      </p:sp>
+    </p:spTree>
+  </p:cSld>
+  <p:clrMapOvr>
+    <a:masterClrMapping/>
+  </p:clrMapOvr>
+  <mc:AlternateContent xmlns:mc="http://schemas.openxmlformats.org/markup-compatibility/2006">
+    <mc:Choice xmlns:p14="http://schemas.microsoft.com/office/powerpoint/2010/main" Requires="p14">
+      <p:transition spd="slow" p14:dur="2000"/>
+    </mc:Choice>
+    <mc:Fallback>
+      <p:transition spd="slow"/>
+    </mc:Fallback>
+  </mc:AlternateContent>
+  <p:timing>
+    <p:tnLst>
+      <p:par>
+        <p:cTn id="1" dur="indefinite" restart="never" nodeType="tmRoot"/>
       </p:par>
     </p:tnLst>
   </p:timing>
